--- a/Used Car Price Predictor (Europe).pptx
+++ b/Used Car Price Predictor (Europe).pptx
@@ -5,10 +5,10 @@
     <p:sldMasterId id="2147483666" r:id="rId4"/>
   </p:sldMasterIdLst>
   <p:notesMasterIdLst>
-    <p:notesMasterId r:id="rId14"/>
+    <p:notesMasterId r:id="rId13"/>
   </p:notesMasterIdLst>
   <p:handoutMasterIdLst>
-    <p:handoutMasterId r:id="rId15"/>
+    <p:handoutMasterId r:id="rId14"/>
   </p:handoutMasterIdLst>
   <p:sldIdLst>
     <p:sldId id="314" r:id="rId5"/>
@@ -17,9 +17,8 @@
     <p:sldId id="318" r:id="rId8"/>
     <p:sldId id="325" r:id="rId9"/>
     <p:sldId id="319" r:id="rId10"/>
-    <p:sldId id="320" r:id="rId11"/>
-    <p:sldId id="324" r:id="rId12"/>
-    <p:sldId id="309" r:id="rId13"/>
+    <p:sldId id="324" r:id="rId11"/>
+    <p:sldId id="309" r:id="rId12"/>
   </p:sldIdLst>
   <p:sldSz cx="12192000" cy="6858000"/>
   <p:notesSz cx="6858000" cy="9144000"/>
@@ -959,7 +958,7 @@
         <a:p>
           <a:r>
             <a:rPr lang="en-US" dirty="0"/>
-            <a:t>Selenium (10250 records: Prices Web Scraping)</a:t>
+            <a:t>Selenium (10250 records: Prices Web Scraping) </a:t>
           </a:r>
           <a:endParaRPr lang="en-NL" dirty="0"/>
         </a:p>
@@ -1041,7 +1040,7 @@
         <a:p>
           <a:r>
             <a:rPr lang="en-US" dirty="0"/>
-            <a:t>Data Cleaning</a:t>
+            <a:t>Data Wrangling</a:t>
           </a:r>
           <a:endParaRPr lang="en-NL" dirty="0"/>
         </a:p>
@@ -1802,10 +1801,98 @@
     <dgm:pt modelId="{6AF082EB-08B8-4A5B-B3DA-43215829A97C}" type="parTrans" cxnId="{8CE69E97-76B7-4BF1-B404-9CDF707365FA}">
       <dgm:prSet/>
       <dgm:spPr/>
+      <dgm:t>
+        <a:bodyPr/>
+        <a:lstStyle/>
+        <a:p>
+          <a:endParaRPr lang="en-NL"/>
+        </a:p>
+      </dgm:t>
     </dgm:pt>
     <dgm:pt modelId="{5425DB80-62EB-43C0-AC2C-A60081E6C23D}" type="sibTrans" cxnId="{8CE69E97-76B7-4BF1-B404-9CDF707365FA}">
       <dgm:prSet/>
       <dgm:spPr/>
+      <dgm:t>
+        <a:bodyPr/>
+        <a:lstStyle/>
+        <a:p>
+          <a:endParaRPr lang="en-NL"/>
+        </a:p>
+      </dgm:t>
+    </dgm:pt>
+    <dgm:pt modelId="{49C5B253-543F-4A00-BA21-E71CC39405E9}">
+      <dgm:prSet phldrT="[Text]"/>
+      <dgm:spPr/>
+      <dgm:t>
+        <a:bodyPr/>
+        <a:lstStyle/>
+        <a:p>
+          <a:r>
+            <a:rPr lang="en-US" dirty="0"/>
+            <a:t>NLP</a:t>
+          </a:r>
+          <a:endParaRPr lang="en-NL" dirty="0"/>
+        </a:p>
+      </dgm:t>
+    </dgm:pt>
+    <dgm:pt modelId="{C1D40998-BBE5-46D1-9D8E-B1A8094A6EB3}" type="parTrans" cxnId="{2EC3E25B-CE25-4F84-A67D-E20E0262ACBE}">
+      <dgm:prSet/>
+      <dgm:spPr/>
+      <dgm:t>
+        <a:bodyPr/>
+        <a:lstStyle/>
+        <a:p>
+          <a:endParaRPr lang="en-NL"/>
+        </a:p>
+      </dgm:t>
+    </dgm:pt>
+    <dgm:pt modelId="{2BEA66EF-C540-42D6-BF49-D8F2A5EF2482}" type="sibTrans" cxnId="{2EC3E25B-CE25-4F84-A67D-E20E0262ACBE}">
+      <dgm:prSet/>
+      <dgm:spPr/>
+      <dgm:t>
+        <a:bodyPr/>
+        <a:lstStyle/>
+        <a:p>
+          <a:endParaRPr lang="en-NL"/>
+        </a:p>
+      </dgm:t>
+    </dgm:pt>
+    <dgm:pt modelId="{1D9AD888-6432-4563-BB2D-988809A72D4E}">
+      <dgm:prSet phldrT="[Text]"/>
+      <dgm:spPr/>
+      <dgm:t>
+        <a:bodyPr/>
+        <a:lstStyle/>
+        <a:p>
+          <a:r>
+            <a:rPr lang="en-US" dirty="0"/>
+            <a:t>Sentiment Intensity Analysis</a:t>
+          </a:r>
+          <a:endParaRPr lang="en-NL" dirty="0"/>
+        </a:p>
+      </dgm:t>
+    </dgm:pt>
+    <dgm:pt modelId="{5B587ADA-EB06-49B0-B43C-34B56CF8E578}" type="parTrans" cxnId="{8A7F6E04-075E-4D07-98ED-D3123BEC9292}">
+      <dgm:prSet/>
+      <dgm:spPr/>
+      <dgm:t>
+        <a:bodyPr/>
+        <a:lstStyle/>
+        <a:p>
+          <a:endParaRPr lang="en-NL"/>
+        </a:p>
+      </dgm:t>
+    </dgm:pt>
+    <dgm:pt modelId="{FACDBC2F-C0D2-40CC-AC55-008436E7750C}" type="sibTrans" cxnId="{8A7F6E04-075E-4D07-98ED-D3123BEC9292}">
+      <dgm:prSet/>
+      <dgm:spPr/>
+      <dgm:t>
+        <a:bodyPr/>
+        <a:lstStyle/>
+        <a:p>
+          <a:endParaRPr lang="en-NL"/>
+        </a:p>
+      </dgm:t>
     </dgm:pt>
     <dgm:pt modelId="{66812498-1D6D-495F-B751-55EA7BA92D29}" type="pres">
       <dgm:prSet presAssocID="{FA256CD9-FC91-4C36-9D7E-A201885CD92B}" presName="CompostProcess" presStyleCnt="0">
@@ -1825,7 +1912,7 @@
       <dgm:spPr/>
     </dgm:pt>
     <dgm:pt modelId="{E19DB277-6265-41C8-9CF0-669DF95C0243}" type="pres">
-      <dgm:prSet presAssocID="{791C9747-7D40-4675-B602-7C3955171A87}" presName="textNode" presStyleLbl="node1" presStyleIdx="0" presStyleCnt="6">
+      <dgm:prSet presAssocID="{791C9747-7D40-4675-B602-7C3955171A87}" presName="textNode" presStyleLbl="node1" presStyleIdx="0" presStyleCnt="7">
         <dgm:presLayoutVars>
           <dgm:bulletEnabled val="1"/>
         </dgm:presLayoutVars>
@@ -1837,7 +1924,7 @@
       <dgm:spPr/>
     </dgm:pt>
     <dgm:pt modelId="{3FF10B0D-BC64-47E6-B9E9-6A596B87F18D}" type="pres">
-      <dgm:prSet presAssocID="{B4E1FC55-8BF0-47C5-8DD2-D801D2346349}" presName="textNode" presStyleLbl="node1" presStyleIdx="1" presStyleCnt="6">
+      <dgm:prSet presAssocID="{B4E1FC55-8BF0-47C5-8DD2-D801D2346349}" presName="textNode" presStyleLbl="node1" presStyleIdx="1" presStyleCnt="7">
         <dgm:presLayoutVars>
           <dgm:bulletEnabled val="1"/>
         </dgm:presLayoutVars>
@@ -1848,8 +1935,20 @@
       <dgm:prSet presAssocID="{58FD37AA-D41E-4BFB-8444-9D986B5EEF24}" presName="sibTrans" presStyleCnt="0"/>
       <dgm:spPr/>
     </dgm:pt>
+    <dgm:pt modelId="{C76F7792-6B4B-45D4-A312-A99353474421}" type="pres">
+      <dgm:prSet presAssocID="{49C5B253-543F-4A00-BA21-E71CC39405E9}" presName="textNode" presStyleLbl="node1" presStyleIdx="2" presStyleCnt="7">
+        <dgm:presLayoutVars>
+          <dgm:bulletEnabled val="1"/>
+        </dgm:presLayoutVars>
+      </dgm:prSet>
+      <dgm:spPr/>
+    </dgm:pt>
+    <dgm:pt modelId="{C5476403-980F-4A33-99A1-6000B87B8536}" type="pres">
+      <dgm:prSet presAssocID="{2BEA66EF-C540-42D6-BF49-D8F2A5EF2482}" presName="sibTrans" presStyleCnt="0"/>
+      <dgm:spPr/>
+    </dgm:pt>
     <dgm:pt modelId="{E0AAECA5-901C-4CB4-A5FD-43453A475786}" type="pres">
-      <dgm:prSet presAssocID="{6F11DAA1-E429-440D-AC4A-47EEA2A4B62D}" presName="textNode" presStyleLbl="node1" presStyleIdx="2" presStyleCnt="6">
+      <dgm:prSet presAssocID="{6F11DAA1-E429-440D-AC4A-47EEA2A4B62D}" presName="textNode" presStyleLbl="node1" presStyleIdx="3" presStyleCnt="7">
         <dgm:presLayoutVars>
           <dgm:bulletEnabled val="1"/>
         </dgm:presLayoutVars>
@@ -1861,7 +1960,7 @@
       <dgm:spPr/>
     </dgm:pt>
     <dgm:pt modelId="{8A52BE3E-EC61-41C6-898A-DA0540ABB0D6}" type="pres">
-      <dgm:prSet presAssocID="{D1367055-022D-4724-95AF-FC970F72206E}" presName="textNode" presStyleLbl="node1" presStyleIdx="3" presStyleCnt="6">
+      <dgm:prSet presAssocID="{D1367055-022D-4724-95AF-FC970F72206E}" presName="textNode" presStyleLbl="node1" presStyleIdx="4" presStyleCnt="7">
         <dgm:presLayoutVars>
           <dgm:bulletEnabled val="1"/>
         </dgm:presLayoutVars>
@@ -1873,7 +1972,7 @@
       <dgm:spPr/>
     </dgm:pt>
     <dgm:pt modelId="{61E00781-AD4E-4FA2-B17A-09EE42E43E9E}" type="pres">
-      <dgm:prSet presAssocID="{3DDC79A6-ABEA-44BF-A65A-4B3357F3909A}" presName="textNode" presStyleLbl="node1" presStyleIdx="4" presStyleCnt="6">
+      <dgm:prSet presAssocID="{3DDC79A6-ABEA-44BF-A65A-4B3357F3909A}" presName="textNode" presStyleLbl="node1" presStyleIdx="5" presStyleCnt="7">
         <dgm:presLayoutVars>
           <dgm:bulletEnabled val="1"/>
         </dgm:presLayoutVars>
@@ -1885,7 +1984,7 @@
       <dgm:spPr/>
     </dgm:pt>
     <dgm:pt modelId="{F35E3470-DAB6-49C2-B094-F85486E66B5D}" type="pres">
-      <dgm:prSet presAssocID="{A404979E-0FB4-49DE-B9C1-08AC3FDFB363}" presName="textNode" presStyleLbl="node1" presStyleIdx="5" presStyleCnt="6">
+      <dgm:prSet presAssocID="{A404979E-0FB4-49DE-B9C1-08AC3FDFB363}" presName="textNode" presStyleLbl="node1" presStyleIdx="6" presStyleCnt="7">
         <dgm:presLayoutVars>
           <dgm:bulletEnabled val="1"/>
         </dgm:presLayoutVars>
@@ -1894,16 +1993,19 @@
     </dgm:pt>
   </dgm:ptLst>
   <dgm:cxnLst>
+    <dgm:cxn modelId="{8A7F6E04-075E-4D07-98ED-D3123BEC9292}" srcId="{49C5B253-543F-4A00-BA21-E71CC39405E9}" destId="{1D9AD888-6432-4563-BB2D-988809A72D4E}" srcOrd="0" destOrd="0" parTransId="{5B587ADA-EB06-49B0-B43C-34B56CF8E578}" sibTransId="{FACDBC2F-C0D2-40CC-AC55-008436E7750C}"/>
     <dgm:cxn modelId="{5BC2DA09-AA1D-4E7A-862D-DAFBA51A8590}" srcId="{791C9747-7D40-4675-B602-7C3955171A87}" destId="{2D9C9377-C5A0-4C9E-A447-BE9A7EF7A360}" srcOrd="1" destOrd="0" parTransId="{CAF68DDF-2525-44D4-8219-1144FC2B1610}" sibTransId="{D9E5557F-1EC3-46CD-A3B7-3AD74AC6CE2C}"/>
     <dgm:cxn modelId="{6EA7FA0D-A550-4ADE-B527-410CEA5DAC8C}" srcId="{791C9747-7D40-4675-B602-7C3955171A87}" destId="{20F86212-5563-422D-A6A1-C2D4C0BFC18C}" srcOrd="0" destOrd="0" parTransId="{1369F98E-CCE3-4C42-8465-EA7BA5D8FBFF}" sibTransId="{3276E04E-76BE-4E7F-9063-9896FFA95DC3}"/>
+    <dgm:cxn modelId="{4E05E811-8F83-4DAF-87F8-1810E5C9C1EB}" type="presOf" srcId="{49C5B253-543F-4A00-BA21-E71CC39405E9}" destId="{C76F7792-6B4B-45D4-A312-A99353474421}" srcOrd="0" destOrd="0" presId="urn:microsoft.com/office/officeart/2005/8/layout/hProcess9"/>
     <dgm:cxn modelId="{B3021D21-31A8-49DF-874E-B6B41932A253}" srcId="{6F11DAA1-E429-440D-AC4A-47EEA2A4B62D}" destId="{7B31DC93-3A2A-41AF-97FE-5F5988A1364C}" srcOrd="0" destOrd="0" parTransId="{2510267C-031D-4B18-BD3A-73182F477AFF}" sibTransId="{E14826E0-DCB4-4F1E-BF7A-60800EBFC2CF}"/>
     <dgm:cxn modelId="{A03A8727-BFA7-4895-A161-3A14E8405E8A}" type="presOf" srcId="{ACA204AA-57B2-4132-A5F3-13DFEB65C7EB}" destId="{E19DB277-6265-41C8-9CF0-669DF95C0243}" srcOrd="0" destOrd="3" presId="urn:microsoft.com/office/officeart/2005/8/layout/hProcess9"/>
     <dgm:cxn modelId="{0443CE28-0FD3-4205-BDA3-9A99FB7D5C35}" srcId="{FA256CD9-FC91-4C36-9D7E-A201885CD92B}" destId="{791C9747-7D40-4675-B602-7C3955171A87}" srcOrd="0" destOrd="0" parTransId="{5240C70D-40D5-48A3-9A09-60A6DD657D76}" sibTransId="{0CD327F4-13CC-481E-AD92-AF8A960C0B62}"/>
     <dgm:cxn modelId="{E89EB22F-EBE3-4D88-B8F0-5416259BDF12}" type="presOf" srcId="{FA256CD9-FC91-4C36-9D7E-A201885CD92B}" destId="{66812498-1D6D-495F-B751-55EA7BA92D29}" srcOrd="0" destOrd="0" presId="urn:microsoft.com/office/officeart/2005/8/layout/hProcess9"/>
-    <dgm:cxn modelId="{2ED0F034-4571-4A91-960E-CC2CD1D7BFA1}" srcId="{FA256CD9-FC91-4C36-9D7E-A201885CD92B}" destId="{6F11DAA1-E429-440D-AC4A-47EEA2A4B62D}" srcOrd="2" destOrd="0" parTransId="{E9CF1935-D3E5-4EA2-9895-911D38EBE450}" sibTransId="{6661DD4F-6876-4348-ADC5-CA13D379E7D0}"/>
+    <dgm:cxn modelId="{2ED0F034-4571-4A91-960E-CC2CD1D7BFA1}" srcId="{FA256CD9-FC91-4C36-9D7E-A201885CD92B}" destId="{6F11DAA1-E429-440D-AC4A-47EEA2A4B62D}" srcOrd="3" destOrd="0" parTransId="{E9CF1935-D3E5-4EA2-9895-911D38EBE450}" sibTransId="{6661DD4F-6876-4348-ADC5-CA13D379E7D0}"/>
     <dgm:cxn modelId="{9886623B-203B-49D9-B558-AAB3A34F0CF5}" srcId="{D1367055-022D-4724-95AF-FC970F72206E}" destId="{9C353C20-97EB-4F11-BDFD-2625A10D03A7}" srcOrd="2" destOrd="0" parTransId="{58ED2B7A-754E-4B61-8F4D-EF2C91EABBAC}" sibTransId="{BE8E1685-6852-444D-9C8B-DB0FF8A2C6DD}"/>
     <dgm:cxn modelId="{A2F4393D-AEB7-447A-A997-AB6916CCF514}" srcId="{3DDC79A6-ABEA-44BF-A65A-4B3357F3909A}" destId="{968F024F-1228-4833-BBE6-C8D6328E8421}" srcOrd="5" destOrd="0" parTransId="{BCDE2BC3-86FD-4F72-9E5D-34D919230BCA}" sibTransId="{139C84D2-EB96-466E-B32C-432A69635B2B}"/>
     <dgm:cxn modelId="{989D9E40-7B8B-4038-86B4-082060C18083}" type="presOf" srcId="{72D842F2-7279-4E95-8C73-1B2B2DB92FFA}" destId="{3FF10B0D-BC64-47E6-B9E9-6A596B87F18D}" srcOrd="0" destOrd="1" presId="urn:microsoft.com/office/officeart/2005/8/layout/hProcess9"/>
+    <dgm:cxn modelId="{2EC3E25B-CE25-4F84-A67D-E20E0262ACBE}" srcId="{FA256CD9-FC91-4C36-9D7E-A201885CD92B}" destId="{49C5B253-543F-4A00-BA21-E71CC39405E9}" srcOrd="2" destOrd="0" parTransId="{C1D40998-BBE5-46D1-9D8E-B1A8094A6EB3}" sibTransId="{2BEA66EF-C540-42D6-BF49-D8F2A5EF2482}"/>
     <dgm:cxn modelId="{A6A7185D-007C-443A-936C-CB750A03A9EF}" srcId="{B4E1FC55-8BF0-47C5-8DD2-D801D2346349}" destId="{72D842F2-7279-4E95-8C73-1B2B2DB92FFA}" srcOrd="0" destOrd="0" parTransId="{DC6BEBA0-1090-4926-93E6-0B6A8E320E88}" sibTransId="{40D8DFB4-B802-4B8D-8B9E-5A4E9759F6AA}"/>
     <dgm:cxn modelId="{F4A6195D-458B-4099-9221-7A1AD53C417B}" srcId="{791C9747-7D40-4675-B602-7C3955171A87}" destId="{ACA204AA-57B2-4132-A5F3-13DFEB65C7EB}" srcOrd="2" destOrd="0" parTransId="{1509872C-D4FC-4AEE-B243-14DC076EFA5C}" sibTransId="{B79267E5-1C70-4457-A66F-7ED60CE62BAC}"/>
     <dgm:cxn modelId="{8D39E65E-E373-4658-AF67-A47C86DB82D9}" type="presOf" srcId="{2D9C9377-C5A0-4C9E-A447-BE9A7EF7A360}" destId="{E19DB277-6265-41C8-9CF0-669DF95C0243}" srcOrd="0" destOrd="2" presId="urn:microsoft.com/office/officeart/2005/8/layout/hProcess9"/>
@@ -1913,8 +2015,9 @@
     <dgm:cxn modelId="{86A3F263-E1EE-43A2-B06B-B3D0F94B28BF}" type="presOf" srcId="{B4E1FC55-8BF0-47C5-8DD2-D801D2346349}" destId="{3FF10B0D-BC64-47E6-B9E9-6A596B87F18D}" srcOrd="0" destOrd="0" presId="urn:microsoft.com/office/officeart/2005/8/layout/hProcess9"/>
     <dgm:cxn modelId="{34ADDA44-1617-4E00-B4B7-03F7CA24E288}" type="presOf" srcId="{2EF5380F-2907-48FE-B5B6-119339BAA2CE}" destId="{61E00781-AD4E-4FA2-B17A-09EE42E43E9E}" srcOrd="0" destOrd="2" presId="urn:microsoft.com/office/officeart/2005/8/layout/hProcess9"/>
     <dgm:cxn modelId="{F00B9845-2476-444E-8994-2911A6916720}" type="presOf" srcId="{0DFE2A21-911C-4C15-AD3A-B1877DD4E9FF}" destId="{61E00781-AD4E-4FA2-B17A-09EE42E43E9E}" srcOrd="0" destOrd="1" presId="urn:microsoft.com/office/officeart/2005/8/layout/hProcess9"/>
+    <dgm:cxn modelId="{38B98B66-C03E-46F7-AC3E-A2D35678BA1D}" type="presOf" srcId="{1D9AD888-6432-4563-BB2D-988809A72D4E}" destId="{C76F7792-6B4B-45D4-A312-A99353474421}" srcOrd="0" destOrd="1" presId="urn:microsoft.com/office/officeart/2005/8/layout/hProcess9"/>
     <dgm:cxn modelId="{F41C5B4A-8157-4DD7-A946-A4B273FA7D73}" srcId="{FA256CD9-FC91-4C36-9D7E-A201885CD92B}" destId="{B4E1FC55-8BF0-47C5-8DD2-D801D2346349}" srcOrd="1" destOrd="0" parTransId="{6D328D6A-7242-45F4-9016-CE103E3ABEAE}" sibTransId="{58FD37AA-D41E-4BFB-8444-9D986B5EEF24}"/>
-    <dgm:cxn modelId="{0C28A24A-2DC4-4E1C-B40B-9D8DBFCAD983}" srcId="{FA256CD9-FC91-4C36-9D7E-A201885CD92B}" destId="{A404979E-0FB4-49DE-B9C1-08AC3FDFB363}" srcOrd="5" destOrd="0" parTransId="{3959F1C5-A3B1-42FE-8B12-5DB3173D05F9}" sibTransId="{CAF1BF60-683B-4FEA-A0B8-1C9D60997B7D}"/>
+    <dgm:cxn modelId="{0C28A24A-2DC4-4E1C-B40B-9D8DBFCAD983}" srcId="{FA256CD9-FC91-4C36-9D7E-A201885CD92B}" destId="{A404979E-0FB4-49DE-B9C1-08AC3FDFB363}" srcOrd="6" destOrd="0" parTransId="{3959F1C5-A3B1-42FE-8B12-5DB3173D05F9}" sibTransId="{CAF1BF60-683B-4FEA-A0B8-1C9D60997B7D}"/>
     <dgm:cxn modelId="{0565A46A-3260-4268-BBAC-A05ADE70808A}" srcId="{3DDC79A6-ABEA-44BF-A65A-4B3357F3909A}" destId="{0DFE2A21-911C-4C15-AD3A-B1877DD4E9FF}" srcOrd="0" destOrd="0" parTransId="{38E494AF-F940-4B03-89B1-9D58B8366F29}" sibTransId="{5998301B-19D9-4D60-9B80-E3685CA4BFCD}"/>
     <dgm:cxn modelId="{283F0954-E323-4215-AE19-C12552AB05D7}" type="presOf" srcId="{9C353C20-97EB-4F11-BDFD-2625A10D03A7}" destId="{8A52BE3E-EC61-41C6-898A-DA0540ABB0D6}" srcOrd="0" destOrd="3" presId="urn:microsoft.com/office/officeart/2005/8/layout/hProcess9"/>
     <dgm:cxn modelId="{2DAD2676-CCB6-4BF9-A880-CC26FEF36965}" type="presOf" srcId="{42EDE16C-A14E-42A1-BE37-D59AC6352F2E}" destId="{61E00781-AD4E-4FA2-B17A-09EE42E43E9E}" srcOrd="0" destOrd="7" presId="urn:microsoft.com/office/officeart/2005/8/layout/hProcess9"/>
@@ -1936,26 +2039,28 @@
     <dgm:cxn modelId="{DBAFF8DD-0238-4A24-9C42-A36A458DB4AC}" srcId="{D1367055-022D-4724-95AF-FC970F72206E}" destId="{EC4F01F5-6DA2-4E35-9A30-39D4F877DB9D}" srcOrd="0" destOrd="0" parTransId="{A8C2D49C-39E3-44F8-BA07-BA675A95E31C}" sibTransId="{0DF6A5FD-8C5D-451F-B073-034ED1257BC9}"/>
     <dgm:cxn modelId="{41F01BDE-569C-4848-8CC7-7DCE974F403E}" type="presOf" srcId="{791C9747-7D40-4675-B602-7C3955171A87}" destId="{E19DB277-6265-41C8-9CF0-669DF95C0243}" srcOrd="0" destOrd="0" presId="urn:microsoft.com/office/officeart/2005/8/layout/hProcess9"/>
     <dgm:cxn modelId="{C261CBE7-332C-4071-B468-DB6567FB26DE}" srcId="{3DDC79A6-ABEA-44BF-A65A-4B3357F3909A}" destId="{42EDE16C-A14E-42A1-BE37-D59AC6352F2E}" srcOrd="6" destOrd="0" parTransId="{31912903-247F-4BB5-92DA-FD149BA2B510}" sibTransId="{F6E27E15-0D8C-49A8-8512-9C2407236ABE}"/>
-    <dgm:cxn modelId="{925CA0E8-32E9-403A-B3BE-F30C47DB6C8A}" srcId="{FA256CD9-FC91-4C36-9D7E-A201885CD92B}" destId="{D1367055-022D-4724-95AF-FC970F72206E}" srcOrd="3" destOrd="0" parTransId="{6F2AA45A-1083-484C-A5A2-5189CAB199A1}" sibTransId="{D901442A-F81C-4DE6-AF22-AE2B2D34BBC9}"/>
+    <dgm:cxn modelId="{925CA0E8-32E9-403A-B3BE-F30C47DB6C8A}" srcId="{FA256CD9-FC91-4C36-9D7E-A201885CD92B}" destId="{D1367055-022D-4724-95AF-FC970F72206E}" srcOrd="4" destOrd="0" parTransId="{6F2AA45A-1083-484C-A5A2-5189CAB199A1}" sibTransId="{D901442A-F81C-4DE6-AF22-AE2B2D34BBC9}"/>
     <dgm:cxn modelId="{2CF8A9EA-9F25-4B68-A851-2F1AE327F9AA}" type="presOf" srcId="{8B8A9DC6-728A-4F7A-BCED-FE456FD93EF6}" destId="{F35E3470-DAB6-49C2-B094-F85486E66B5D}" srcOrd="0" destOrd="1" presId="urn:microsoft.com/office/officeart/2005/8/layout/hProcess9"/>
     <dgm:cxn modelId="{E34A1EF0-1C9D-4136-B75C-5BCCF09E11A7}" type="presOf" srcId="{B9467713-003A-44DE-9C90-183775802DC7}" destId="{E0AAECA5-901C-4CB4-A5FD-43453A475786}" srcOrd="0" destOrd="2" presId="urn:microsoft.com/office/officeart/2005/8/layout/hProcess9"/>
     <dgm:cxn modelId="{3BEABEF0-6F19-4D0B-82E5-C7B1C2EB4B5B}" type="presOf" srcId="{29A6C14A-BA7B-4F66-B550-7FC9D70E5BDD}" destId="{61E00781-AD4E-4FA2-B17A-09EE42E43E9E}" srcOrd="0" destOrd="5" presId="urn:microsoft.com/office/officeart/2005/8/layout/hProcess9"/>
     <dgm:cxn modelId="{53A136F5-8F5A-489A-9228-007652156D64}" type="presOf" srcId="{20F86212-5563-422D-A6A1-C2D4C0BFC18C}" destId="{E19DB277-6265-41C8-9CF0-669DF95C0243}" srcOrd="0" destOrd="1" presId="urn:microsoft.com/office/officeart/2005/8/layout/hProcess9"/>
     <dgm:cxn modelId="{A12A0EFD-ECAD-4E23-9C9C-76D39E5F8C63}" type="presOf" srcId="{CC99DF75-8D8C-46CF-9A77-761A64F302C8}" destId="{3FF10B0D-BC64-47E6-B9E9-6A596B87F18D}" srcOrd="0" destOrd="2" presId="urn:microsoft.com/office/officeart/2005/8/layout/hProcess9"/>
-    <dgm:cxn modelId="{AE0B18FD-74BA-4DFE-A8CB-58D27BAD2F3E}" srcId="{FA256CD9-FC91-4C36-9D7E-A201885CD92B}" destId="{3DDC79A6-ABEA-44BF-A65A-4B3357F3909A}" srcOrd="4" destOrd="0" parTransId="{28D34B1D-4F45-435D-B939-FB3BF3612586}" sibTransId="{3270F413-B2F4-445F-B918-DCA1085A2E79}"/>
+    <dgm:cxn modelId="{AE0B18FD-74BA-4DFE-A8CB-58D27BAD2F3E}" srcId="{FA256CD9-FC91-4C36-9D7E-A201885CD92B}" destId="{3DDC79A6-ABEA-44BF-A65A-4B3357F3909A}" srcOrd="5" destOrd="0" parTransId="{28D34B1D-4F45-435D-B939-FB3BF3612586}" sibTransId="{3270F413-B2F4-445F-B918-DCA1085A2E79}"/>
     <dgm:cxn modelId="{32D1EA94-35D5-436B-A8AE-DD9B038D6242}" type="presParOf" srcId="{66812498-1D6D-495F-B751-55EA7BA92D29}" destId="{B5B32991-8E30-4F33-9068-3DD261F1B3DB}" srcOrd="0" destOrd="0" presId="urn:microsoft.com/office/officeart/2005/8/layout/hProcess9"/>
     <dgm:cxn modelId="{259074CB-D163-4E9B-B594-A5D42310F91B}" type="presParOf" srcId="{66812498-1D6D-495F-B751-55EA7BA92D29}" destId="{67DEBEAB-7AF6-4ABE-B1C4-345878C418E0}" srcOrd="1" destOrd="0" presId="urn:microsoft.com/office/officeart/2005/8/layout/hProcess9"/>
     <dgm:cxn modelId="{C8354828-DD4B-4335-B659-D6FC6FED1875}" type="presParOf" srcId="{67DEBEAB-7AF6-4ABE-B1C4-345878C418E0}" destId="{E19DB277-6265-41C8-9CF0-669DF95C0243}" srcOrd="0" destOrd="0" presId="urn:microsoft.com/office/officeart/2005/8/layout/hProcess9"/>
     <dgm:cxn modelId="{7ED9F5B6-E3AC-496D-AA83-D9EA91DFD302}" type="presParOf" srcId="{67DEBEAB-7AF6-4ABE-B1C4-345878C418E0}" destId="{4D3E16C1-7BF8-4F06-996C-84BAB9367B21}" srcOrd="1" destOrd="0" presId="urn:microsoft.com/office/officeart/2005/8/layout/hProcess9"/>
     <dgm:cxn modelId="{16E7AE53-028A-4D95-9C6E-416E52C65F1D}" type="presParOf" srcId="{67DEBEAB-7AF6-4ABE-B1C4-345878C418E0}" destId="{3FF10B0D-BC64-47E6-B9E9-6A596B87F18D}" srcOrd="2" destOrd="0" presId="urn:microsoft.com/office/officeart/2005/8/layout/hProcess9"/>
     <dgm:cxn modelId="{F4A301CB-809B-49E6-A577-C4474EE9752F}" type="presParOf" srcId="{67DEBEAB-7AF6-4ABE-B1C4-345878C418E0}" destId="{E3BBFAD6-5119-4D19-8925-91420493C871}" srcOrd="3" destOrd="0" presId="urn:microsoft.com/office/officeart/2005/8/layout/hProcess9"/>
-    <dgm:cxn modelId="{FF8B5A39-6721-4DF9-8EF0-D552E9421DDE}" type="presParOf" srcId="{67DEBEAB-7AF6-4ABE-B1C4-345878C418E0}" destId="{E0AAECA5-901C-4CB4-A5FD-43453A475786}" srcOrd="4" destOrd="0" presId="urn:microsoft.com/office/officeart/2005/8/layout/hProcess9"/>
-    <dgm:cxn modelId="{C8059FB0-DDA9-4DF4-96D0-E9CAB57DFB13}" type="presParOf" srcId="{67DEBEAB-7AF6-4ABE-B1C4-345878C418E0}" destId="{8BB6DB0E-45C6-4AEC-AB2E-B1CB039516BE}" srcOrd="5" destOrd="0" presId="urn:microsoft.com/office/officeart/2005/8/layout/hProcess9"/>
-    <dgm:cxn modelId="{3FE79BC1-7C38-4477-9355-9518BFE50C0F}" type="presParOf" srcId="{67DEBEAB-7AF6-4ABE-B1C4-345878C418E0}" destId="{8A52BE3E-EC61-41C6-898A-DA0540ABB0D6}" srcOrd="6" destOrd="0" presId="urn:microsoft.com/office/officeart/2005/8/layout/hProcess9"/>
-    <dgm:cxn modelId="{8D03A19B-9888-4A08-B9BB-8566345C5AB4}" type="presParOf" srcId="{67DEBEAB-7AF6-4ABE-B1C4-345878C418E0}" destId="{DA43B13F-9696-4D70-AF60-1A6EEA1589F0}" srcOrd="7" destOrd="0" presId="urn:microsoft.com/office/officeart/2005/8/layout/hProcess9"/>
-    <dgm:cxn modelId="{82FCD6DB-48D9-4D98-BA47-3D25D72C2E3B}" type="presParOf" srcId="{67DEBEAB-7AF6-4ABE-B1C4-345878C418E0}" destId="{61E00781-AD4E-4FA2-B17A-09EE42E43E9E}" srcOrd="8" destOrd="0" presId="urn:microsoft.com/office/officeart/2005/8/layout/hProcess9"/>
-    <dgm:cxn modelId="{D0CF9FA0-E8D9-40FD-9697-7F3E861E42DA}" type="presParOf" srcId="{67DEBEAB-7AF6-4ABE-B1C4-345878C418E0}" destId="{F615648C-EA3B-44E3-8E41-EB12CD4484C4}" srcOrd="9" destOrd="0" presId="urn:microsoft.com/office/officeart/2005/8/layout/hProcess9"/>
-    <dgm:cxn modelId="{FAB83A4B-B2A5-48C6-B45B-FF4FE59753CC}" type="presParOf" srcId="{67DEBEAB-7AF6-4ABE-B1C4-345878C418E0}" destId="{F35E3470-DAB6-49C2-B094-F85486E66B5D}" srcOrd="10" destOrd="0" presId="urn:microsoft.com/office/officeart/2005/8/layout/hProcess9"/>
+    <dgm:cxn modelId="{8D172AD7-75DE-4B1C-94C9-B582857BBBA4}" type="presParOf" srcId="{67DEBEAB-7AF6-4ABE-B1C4-345878C418E0}" destId="{C76F7792-6B4B-45D4-A312-A99353474421}" srcOrd="4" destOrd="0" presId="urn:microsoft.com/office/officeart/2005/8/layout/hProcess9"/>
+    <dgm:cxn modelId="{8D46C2B2-ADA9-4190-8A79-8FAE9760DF88}" type="presParOf" srcId="{67DEBEAB-7AF6-4ABE-B1C4-345878C418E0}" destId="{C5476403-980F-4A33-99A1-6000B87B8536}" srcOrd="5" destOrd="0" presId="urn:microsoft.com/office/officeart/2005/8/layout/hProcess9"/>
+    <dgm:cxn modelId="{FF8B5A39-6721-4DF9-8EF0-D552E9421DDE}" type="presParOf" srcId="{67DEBEAB-7AF6-4ABE-B1C4-345878C418E0}" destId="{E0AAECA5-901C-4CB4-A5FD-43453A475786}" srcOrd="6" destOrd="0" presId="urn:microsoft.com/office/officeart/2005/8/layout/hProcess9"/>
+    <dgm:cxn modelId="{C8059FB0-DDA9-4DF4-96D0-E9CAB57DFB13}" type="presParOf" srcId="{67DEBEAB-7AF6-4ABE-B1C4-345878C418E0}" destId="{8BB6DB0E-45C6-4AEC-AB2E-B1CB039516BE}" srcOrd="7" destOrd="0" presId="urn:microsoft.com/office/officeart/2005/8/layout/hProcess9"/>
+    <dgm:cxn modelId="{3FE79BC1-7C38-4477-9355-9518BFE50C0F}" type="presParOf" srcId="{67DEBEAB-7AF6-4ABE-B1C4-345878C418E0}" destId="{8A52BE3E-EC61-41C6-898A-DA0540ABB0D6}" srcOrd="8" destOrd="0" presId="urn:microsoft.com/office/officeart/2005/8/layout/hProcess9"/>
+    <dgm:cxn modelId="{8D03A19B-9888-4A08-B9BB-8566345C5AB4}" type="presParOf" srcId="{67DEBEAB-7AF6-4ABE-B1C4-345878C418E0}" destId="{DA43B13F-9696-4D70-AF60-1A6EEA1589F0}" srcOrd="9" destOrd="0" presId="urn:microsoft.com/office/officeart/2005/8/layout/hProcess9"/>
+    <dgm:cxn modelId="{82FCD6DB-48D9-4D98-BA47-3D25D72C2E3B}" type="presParOf" srcId="{67DEBEAB-7AF6-4ABE-B1C4-345878C418E0}" destId="{61E00781-AD4E-4FA2-B17A-09EE42E43E9E}" srcOrd="10" destOrd="0" presId="urn:microsoft.com/office/officeart/2005/8/layout/hProcess9"/>
+    <dgm:cxn modelId="{D0CF9FA0-E8D9-40FD-9697-7F3E861E42DA}" type="presParOf" srcId="{67DEBEAB-7AF6-4ABE-B1C4-345878C418E0}" destId="{F615648C-EA3B-44E3-8E41-EB12CD4484C4}" srcOrd="11" destOrd="0" presId="urn:microsoft.com/office/officeart/2005/8/layout/hProcess9"/>
+    <dgm:cxn modelId="{FAB83A4B-B2A5-48C6-B45B-FF4FE59753CC}" type="presParOf" srcId="{67DEBEAB-7AF6-4ABE-B1C4-345878C418E0}" destId="{F35E3470-DAB6-49C2-B094-F85486E66B5D}" srcOrd="12" destOrd="0" presId="urn:microsoft.com/office/officeart/2005/8/layout/hProcess9"/>
   </dgm:cxnLst>
   <dgm:bg/>
   <dgm:whole/>
@@ -2022,8 +2127,8 @@
       </dsp:nvSpPr>
       <dsp:spPr>
         <a:xfrm>
-          <a:off x="2539" y="1942036"/>
-          <a:ext cx="1478789" cy="2589382"/>
+          <a:off x="790" y="1942036"/>
+          <a:ext cx="1266566" cy="2589382"/>
         </a:xfrm>
         <a:prstGeom prst="roundRect">
           <a:avLst/>
@@ -2086,12 +2191,12 @@
         </a:fontRef>
       </dsp:style>
       <dsp:txBody>
-        <a:bodyPr spcFirstLastPara="0" vert="horz" wrap="square" lIns="53340" tIns="53340" rIns="53340" bIns="53340" numCol="1" spcCol="1270" anchor="t" anchorCtr="0">
+        <a:bodyPr spcFirstLastPara="0" vert="horz" wrap="square" lIns="49530" tIns="49530" rIns="49530" bIns="49530" numCol="1" spcCol="1270" anchor="t" anchorCtr="0">
           <a:noAutofit/>
         </a:bodyPr>
         <a:lstStyle/>
         <a:p>
-          <a:pPr marL="0" lvl="0" indent="0" algn="l" defTabSz="622300">
+          <a:pPr marL="0" lvl="0" indent="0" algn="l" defTabSz="577850">
             <a:lnSpc>
               <a:spcPct val="90000"/>
             </a:lnSpc>
@@ -2104,13 +2209,13 @@
             <a:buNone/>
           </a:pPr>
           <a:r>
-            <a:rPr lang="en-US" sz="1400" kern="1200" dirty="0"/>
+            <a:rPr lang="en-US" sz="1300" kern="1200" dirty="0"/>
             <a:t>Data Collection</a:t>
           </a:r>
-          <a:endParaRPr lang="en-NL" sz="1400" kern="1200" dirty="0"/>
+          <a:endParaRPr lang="en-NL" sz="1300" kern="1200" dirty="0"/>
         </a:p>
         <a:p>
-          <a:pPr marL="57150" lvl="1" indent="-57150" algn="l" defTabSz="488950">
+          <a:pPr marL="57150" lvl="1" indent="-57150" algn="l" defTabSz="444500">
             <a:lnSpc>
               <a:spcPct val="90000"/>
             </a:lnSpc>
@@ -2123,13 +2228,13 @@
             <a:buChar char="•"/>
           </a:pPr>
           <a:r>
-            <a:rPr lang="en-US" sz="1100" kern="1200" dirty="0"/>
-            <a:t>Selenium (10250 records: Prices Web Scraping)</a:t>
+            <a:rPr lang="en-US" sz="1000" kern="1200" dirty="0"/>
+            <a:t>Selenium (10250 records: Prices Web Scraping) </a:t>
           </a:r>
-          <a:endParaRPr lang="en-NL" sz="1100" kern="1200" dirty="0"/>
+          <a:endParaRPr lang="en-NL" sz="1000" kern="1200" dirty="0"/>
         </a:p>
         <a:p>
-          <a:pPr marL="57150" lvl="1" indent="-57150" algn="l" defTabSz="488950">
+          <a:pPr marL="57150" lvl="1" indent="-57150" algn="l" defTabSz="444500">
             <a:lnSpc>
               <a:spcPct val="90000"/>
             </a:lnSpc>
@@ -2142,21 +2247,21 @@
             <a:buChar char="•"/>
           </a:pPr>
           <a:r>
-            <a:rPr lang="en-US" sz="1100" b="0" i="0" kern="1200" dirty="0"/>
+            <a:rPr lang="en-US" sz="1000" b="0" i="0" kern="1200" dirty="0"/>
             <a:t>PRAW: The Python Reddit API Wrapper (</a:t>
           </a:r>
           <a:r>
-            <a:rPr lang="en-NL" sz="1100" b="0" i="0" kern="1200" dirty="0"/>
+            <a:rPr lang="en-NL" sz="1000" b="0" i="0" kern="1200" dirty="0"/>
             <a:t>125562</a:t>
           </a:r>
           <a:r>
-            <a:rPr lang="en-US" sz="1100" b="0" i="0" kern="1200" dirty="0"/>
+            <a:rPr lang="en-US" sz="1000" b="0" i="0" kern="1200" dirty="0"/>
             <a:t> records: Comments in subreddits)</a:t>
           </a:r>
-          <a:endParaRPr lang="en-NL" sz="1100" b="0" kern="1200" dirty="0"/>
+          <a:endParaRPr lang="en-NL" sz="1000" b="0" kern="1200" dirty="0"/>
         </a:p>
         <a:p>
-          <a:pPr marL="57150" lvl="1" indent="-57150" algn="l" defTabSz="488950">
+          <a:pPr marL="57150" lvl="1" indent="-57150" algn="l" defTabSz="444500">
             <a:lnSpc>
               <a:spcPct val="90000"/>
             </a:lnSpc>
@@ -2169,15 +2274,15 @@
             <a:buChar char="•"/>
           </a:pPr>
           <a:r>
-            <a:rPr lang="en-US" sz="1100" b="0" kern="1200" dirty="0"/>
+            <a:rPr lang="en-US" sz="1000" b="0" kern="1200" dirty="0"/>
             <a:t>Manually collect images (61 brand logos)</a:t>
           </a:r>
-          <a:endParaRPr lang="en-NL" sz="1100" b="0" kern="1200" dirty="0"/>
+          <a:endParaRPr lang="en-NL" sz="1000" b="0" kern="1200" dirty="0"/>
         </a:p>
       </dsp:txBody>
       <dsp:txXfrm>
-        <a:off x="74728" y="2014225"/>
-        <a:ext cx="1334411" cy="2445004"/>
+        <a:off x="62619" y="2003865"/>
+        <a:ext cx="1142908" cy="2465724"/>
       </dsp:txXfrm>
     </dsp:sp>
     <dsp:sp modelId="{3FF10B0D-BC64-47E6-B9E9-6A596B87F18D}">
@@ -2187,8 +2292,8 @@
       </dsp:nvSpPr>
       <dsp:spPr>
         <a:xfrm>
-          <a:off x="1555269" y="1942036"/>
-          <a:ext cx="1478789" cy="2589382"/>
+          <a:off x="1330685" y="1942036"/>
+          <a:ext cx="1266566" cy="2589382"/>
         </a:xfrm>
         <a:prstGeom prst="roundRect">
           <a:avLst/>
@@ -2251,12 +2356,12 @@
         </a:fontRef>
       </dsp:style>
       <dsp:txBody>
-        <a:bodyPr spcFirstLastPara="0" vert="horz" wrap="square" lIns="53340" tIns="53340" rIns="53340" bIns="53340" numCol="1" spcCol="1270" anchor="t" anchorCtr="0">
+        <a:bodyPr spcFirstLastPara="0" vert="horz" wrap="square" lIns="49530" tIns="49530" rIns="49530" bIns="49530" numCol="1" spcCol="1270" anchor="t" anchorCtr="0">
           <a:noAutofit/>
         </a:bodyPr>
         <a:lstStyle/>
         <a:p>
-          <a:pPr marL="0" lvl="0" indent="0" algn="l" defTabSz="622300">
+          <a:pPr marL="0" lvl="0" indent="0" algn="l" defTabSz="577850">
             <a:lnSpc>
               <a:spcPct val="90000"/>
             </a:lnSpc>
@@ -2269,13 +2374,13 @@
             <a:buNone/>
           </a:pPr>
           <a:r>
-            <a:rPr lang="en-US" sz="1400" kern="1200" dirty="0"/>
-            <a:t>Data Cleaning</a:t>
+            <a:rPr lang="en-US" sz="1300" kern="1200" dirty="0"/>
+            <a:t>Data Wrangling</a:t>
           </a:r>
-          <a:endParaRPr lang="en-NL" sz="1400" kern="1200" dirty="0"/>
+          <a:endParaRPr lang="en-NL" sz="1300" kern="1200" dirty="0"/>
         </a:p>
         <a:p>
-          <a:pPr marL="57150" lvl="1" indent="-57150" algn="l" defTabSz="488950">
+          <a:pPr marL="57150" lvl="1" indent="-57150" algn="l" defTabSz="444500">
             <a:lnSpc>
               <a:spcPct val="90000"/>
             </a:lnSpc>
@@ -2288,13 +2393,13 @@
             <a:buChar char="•"/>
           </a:pPr>
           <a:r>
-            <a:rPr lang="en-US" sz="1100" kern="1200" dirty="0"/>
+            <a:rPr lang="en-US" sz="1000" kern="1200" dirty="0"/>
             <a:t>Currency conversion</a:t>
           </a:r>
-          <a:endParaRPr lang="en-NL" sz="1100" kern="1200" dirty="0"/>
+          <a:endParaRPr lang="en-NL" sz="1000" kern="1200" dirty="0"/>
         </a:p>
         <a:p>
-          <a:pPr marL="57150" lvl="1" indent="-57150" algn="l" defTabSz="488950">
+          <a:pPr marL="57150" lvl="1" indent="-57150" algn="l" defTabSz="444500">
             <a:lnSpc>
               <a:spcPct val="90000"/>
             </a:lnSpc>
@@ -2307,26 +2412,26 @@
             <a:buChar char="•"/>
           </a:pPr>
           <a:r>
-            <a:rPr lang="en-US" sz="1100" kern="1200" dirty="0"/>
+            <a:rPr lang="en-US" sz="1000" kern="1200" dirty="0"/>
             <a:t>Missing value handling</a:t>
           </a:r>
-          <a:endParaRPr lang="en-NL" sz="1100" kern="1200" dirty="0"/>
+          <a:endParaRPr lang="en-NL" sz="1000" kern="1200" dirty="0"/>
         </a:p>
       </dsp:txBody>
       <dsp:txXfrm>
-        <a:off x="1627458" y="2014225"/>
-        <a:ext cx="1334411" cy="2445004"/>
+        <a:off x="1392514" y="2003865"/>
+        <a:ext cx="1142908" cy="2465724"/>
       </dsp:txXfrm>
     </dsp:sp>
-    <dsp:sp modelId="{E0AAECA5-901C-4CB4-A5FD-43453A475786}">
+    <dsp:sp modelId="{C76F7792-6B4B-45D4-A312-A99353474421}">
       <dsp:nvSpPr>
         <dsp:cNvPr id="0" name=""/>
         <dsp:cNvSpPr/>
       </dsp:nvSpPr>
       <dsp:spPr>
         <a:xfrm>
-          <a:off x="3107998" y="1942036"/>
-          <a:ext cx="1478789" cy="2589382"/>
+          <a:off x="2660580" y="1942036"/>
+          <a:ext cx="1266566" cy="2589382"/>
         </a:xfrm>
         <a:prstGeom prst="roundRect">
           <a:avLst/>
@@ -2389,12 +2494,12 @@
         </a:fontRef>
       </dsp:style>
       <dsp:txBody>
-        <a:bodyPr spcFirstLastPara="0" vert="horz" wrap="square" lIns="53340" tIns="53340" rIns="53340" bIns="53340" numCol="1" spcCol="1270" anchor="t" anchorCtr="0">
+        <a:bodyPr spcFirstLastPara="0" vert="horz" wrap="square" lIns="49530" tIns="49530" rIns="49530" bIns="49530" numCol="1" spcCol="1270" anchor="t" anchorCtr="0">
           <a:noAutofit/>
         </a:bodyPr>
         <a:lstStyle/>
         <a:p>
-          <a:pPr marL="0" lvl="0" indent="0" algn="l" defTabSz="622300">
+          <a:pPr marL="0" lvl="0" indent="0" algn="l" defTabSz="577850">
             <a:lnSpc>
               <a:spcPct val="90000"/>
             </a:lnSpc>
@@ -2407,13 +2512,13 @@
             <a:buNone/>
           </a:pPr>
           <a:r>
-            <a:rPr lang="en-US" sz="1400" kern="1200" dirty="0"/>
-            <a:t>Data Storage</a:t>
+            <a:rPr lang="en-US" sz="1300" kern="1200" dirty="0"/>
+            <a:t>NLP</a:t>
           </a:r>
-          <a:endParaRPr lang="en-NL" sz="1400" kern="1200" dirty="0"/>
+          <a:endParaRPr lang="en-NL" sz="1300" kern="1200" dirty="0"/>
         </a:p>
         <a:p>
-          <a:pPr marL="57150" lvl="1" indent="-57150" algn="l" defTabSz="488950">
+          <a:pPr marL="57150" lvl="1" indent="-57150" algn="l" defTabSz="444500">
             <a:lnSpc>
               <a:spcPct val="90000"/>
             </a:lnSpc>
@@ -2426,45 +2531,26 @@
             <a:buChar char="•"/>
           </a:pPr>
           <a:r>
-            <a:rPr lang="en-US" sz="1100" kern="1200" dirty="0"/>
-            <a:t>.csv files</a:t>
+            <a:rPr lang="en-US" sz="1000" kern="1200" dirty="0"/>
+            <a:t>Sentiment Intensity Analysis</a:t>
           </a:r>
-          <a:endParaRPr lang="en-NL" sz="1100" kern="1200" dirty="0"/>
-        </a:p>
-        <a:p>
-          <a:pPr marL="57150" lvl="1" indent="-57150" algn="l" defTabSz="488950">
-            <a:lnSpc>
-              <a:spcPct val="90000"/>
-            </a:lnSpc>
-            <a:spcBef>
-              <a:spcPct val="0"/>
-            </a:spcBef>
-            <a:spcAft>
-              <a:spcPct val="15000"/>
-            </a:spcAft>
-            <a:buChar char="•"/>
-          </a:pPr>
-          <a:r>
-            <a:rPr lang="en-US" sz="1100" kern="1200" dirty="0"/>
-            <a:t>MySQL Workbench</a:t>
-          </a:r>
-          <a:endParaRPr lang="en-NL" sz="1100" kern="1200" dirty="0"/>
+          <a:endParaRPr lang="en-NL" sz="1000" kern="1200" dirty="0"/>
         </a:p>
       </dsp:txBody>
       <dsp:txXfrm>
-        <a:off x="3180187" y="2014225"/>
-        <a:ext cx="1334411" cy="2445004"/>
+        <a:off x="2722409" y="2003865"/>
+        <a:ext cx="1142908" cy="2465724"/>
       </dsp:txXfrm>
     </dsp:sp>
-    <dsp:sp modelId="{8A52BE3E-EC61-41C6-898A-DA0540ABB0D6}">
+    <dsp:sp modelId="{E0AAECA5-901C-4CB4-A5FD-43453A475786}">
       <dsp:nvSpPr>
         <dsp:cNvPr id="0" name=""/>
         <dsp:cNvSpPr/>
       </dsp:nvSpPr>
       <dsp:spPr>
         <a:xfrm>
-          <a:off x="4660728" y="1942036"/>
-          <a:ext cx="1478789" cy="2589382"/>
+          <a:off x="3990475" y="1942036"/>
+          <a:ext cx="1266566" cy="2589382"/>
         </a:xfrm>
         <a:prstGeom prst="roundRect">
           <a:avLst/>
@@ -2527,12 +2613,12 @@
         </a:fontRef>
       </dsp:style>
       <dsp:txBody>
-        <a:bodyPr spcFirstLastPara="0" vert="horz" wrap="square" lIns="53340" tIns="53340" rIns="53340" bIns="53340" numCol="1" spcCol="1270" anchor="t" anchorCtr="0">
+        <a:bodyPr spcFirstLastPara="0" vert="horz" wrap="square" lIns="49530" tIns="49530" rIns="49530" bIns="49530" numCol="1" spcCol="1270" anchor="t" anchorCtr="0">
           <a:noAutofit/>
         </a:bodyPr>
         <a:lstStyle/>
         <a:p>
-          <a:pPr marL="0" lvl="0" indent="0" algn="l" defTabSz="622300">
+          <a:pPr marL="0" lvl="0" indent="0" algn="l" defTabSz="577850">
             <a:lnSpc>
               <a:spcPct val="90000"/>
             </a:lnSpc>
@@ -2545,13 +2631,13 @@
             <a:buNone/>
           </a:pPr>
           <a:r>
-            <a:rPr lang="en-US" sz="1400" kern="1200" dirty="0"/>
-            <a:t>EDA &amp; Dashboard</a:t>
+            <a:rPr lang="en-US" sz="1300" kern="1200" dirty="0"/>
+            <a:t>Data Storage</a:t>
           </a:r>
-          <a:endParaRPr lang="en-NL" sz="1400" kern="1200" dirty="0"/>
+          <a:endParaRPr lang="en-NL" sz="1300" kern="1200" dirty="0"/>
         </a:p>
         <a:p>
-          <a:pPr marL="57150" lvl="1" indent="-57150" algn="l" defTabSz="488950">
+          <a:pPr marL="57150" lvl="1" indent="-57150" algn="l" defTabSz="444500">
             <a:lnSpc>
               <a:spcPct val="90000"/>
             </a:lnSpc>
@@ -2564,13 +2650,13 @@
             <a:buChar char="•"/>
           </a:pPr>
           <a:r>
-            <a:rPr lang="en-US" sz="1100" kern="1200" dirty="0"/>
-            <a:t>Matplotlib</a:t>
+            <a:rPr lang="en-US" sz="1000" kern="1200" dirty="0"/>
+            <a:t>.csv files</a:t>
           </a:r>
-          <a:endParaRPr lang="en-NL" sz="1100" kern="1200" dirty="0"/>
+          <a:endParaRPr lang="en-NL" sz="1000" kern="1200" dirty="0"/>
         </a:p>
         <a:p>
-          <a:pPr marL="57150" lvl="1" indent="-57150" algn="l" defTabSz="488950">
+          <a:pPr marL="57150" lvl="1" indent="-57150" algn="l" defTabSz="444500">
             <a:lnSpc>
               <a:spcPct val="90000"/>
             </a:lnSpc>
@@ -2583,45 +2669,26 @@
             <a:buChar char="•"/>
           </a:pPr>
           <a:r>
-            <a:rPr lang="en-US" sz="1100" kern="1200" dirty="0"/>
-            <a:t>Seaborn</a:t>
+            <a:rPr lang="en-US" sz="1000" kern="1200" dirty="0"/>
+            <a:t>MySQL Workbench</a:t>
           </a:r>
-          <a:endParaRPr lang="en-NL" sz="1100" kern="1200" dirty="0"/>
-        </a:p>
-        <a:p>
-          <a:pPr marL="57150" lvl="1" indent="-57150" algn="l" defTabSz="488950">
-            <a:lnSpc>
-              <a:spcPct val="90000"/>
-            </a:lnSpc>
-            <a:spcBef>
-              <a:spcPct val="0"/>
-            </a:spcBef>
-            <a:spcAft>
-              <a:spcPct val="15000"/>
-            </a:spcAft>
-            <a:buChar char="•"/>
-          </a:pPr>
-          <a:r>
-            <a:rPr lang="en-US" sz="1100" kern="1200" dirty="0"/>
-            <a:t>Power BI</a:t>
-          </a:r>
-          <a:endParaRPr lang="en-NL" sz="1100" kern="1200" dirty="0"/>
+          <a:endParaRPr lang="en-NL" sz="1000" kern="1200" dirty="0"/>
         </a:p>
       </dsp:txBody>
       <dsp:txXfrm>
-        <a:off x="4732917" y="2014225"/>
-        <a:ext cx="1334411" cy="2445004"/>
+        <a:off x="4052304" y="2003865"/>
+        <a:ext cx="1142908" cy="2465724"/>
       </dsp:txXfrm>
     </dsp:sp>
-    <dsp:sp modelId="{61E00781-AD4E-4FA2-B17A-09EE42E43E9E}">
+    <dsp:sp modelId="{8A52BE3E-EC61-41C6-898A-DA0540ABB0D6}">
       <dsp:nvSpPr>
         <dsp:cNvPr id="0" name=""/>
         <dsp:cNvSpPr/>
       </dsp:nvSpPr>
       <dsp:spPr>
         <a:xfrm>
-          <a:off x="6213457" y="1942036"/>
-          <a:ext cx="1478789" cy="2589382"/>
+          <a:off x="5320370" y="1942036"/>
+          <a:ext cx="1266566" cy="2589382"/>
         </a:xfrm>
         <a:prstGeom prst="roundRect">
           <a:avLst/>
@@ -2684,12 +2751,12 @@
         </a:fontRef>
       </dsp:style>
       <dsp:txBody>
-        <a:bodyPr spcFirstLastPara="0" vert="horz" wrap="square" lIns="53340" tIns="53340" rIns="53340" bIns="53340" numCol="1" spcCol="1270" anchor="t" anchorCtr="0">
+        <a:bodyPr spcFirstLastPara="0" vert="horz" wrap="square" lIns="49530" tIns="49530" rIns="49530" bIns="49530" numCol="1" spcCol="1270" anchor="t" anchorCtr="0">
           <a:noAutofit/>
         </a:bodyPr>
         <a:lstStyle/>
         <a:p>
-          <a:pPr marL="0" lvl="0" indent="0" algn="l" defTabSz="622300">
+          <a:pPr marL="0" lvl="0" indent="0" algn="l" defTabSz="577850">
             <a:lnSpc>
               <a:spcPct val="90000"/>
             </a:lnSpc>
@@ -2702,13 +2769,13 @@
             <a:buNone/>
           </a:pPr>
           <a:r>
-            <a:rPr lang="en-US" sz="1400" kern="1200" dirty="0"/>
-            <a:t>ML</a:t>
+            <a:rPr lang="en-US" sz="1300" kern="1200" dirty="0"/>
+            <a:t>EDA &amp; Dashboard</a:t>
           </a:r>
-          <a:endParaRPr lang="en-NL" sz="1400" kern="1200" dirty="0"/>
+          <a:endParaRPr lang="en-NL" sz="1300" kern="1200" dirty="0"/>
         </a:p>
         <a:p>
-          <a:pPr marL="57150" lvl="1" indent="-57150" algn="l" defTabSz="488950">
+          <a:pPr marL="57150" lvl="1" indent="-57150" algn="l" defTabSz="444500">
             <a:lnSpc>
               <a:spcPct val="90000"/>
             </a:lnSpc>
@@ -2721,21 +2788,13 @@
             <a:buChar char="•"/>
           </a:pPr>
           <a:r>
-            <a:rPr lang="en-US" sz="1100" kern="1200" dirty="0"/>
-            <a:t>Auto ML (</a:t>
+            <a:rPr lang="en-US" sz="1000" kern="1200" dirty="0"/>
+            <a:t>Matplotlib</a:t>
           </a:r>
-          <a:r>
-            <a:rPr lang="en-US" sz="1100" kern="1200" dirty="0" err="1"/>
-            <a:t>Pycaret</a:t>
-          </a:r>
-          <a:r>
-            <a:rPr lang="en-US" sz="1100" kern="1200" dirty="0"/>
-            <a:t>)</a:t>
-          </a:r>
-          <a:endParaRPr lang="en-NL" sz="1100" kern="1200" dirty="0"/>
+          <a:endParaRPr lang="en-NL" sz="1000" kern="1200" dirty="0"/>
         </a:p>
         <a:p>
-          <a:pPr marL="57150" lvl="1" indent="-57150" algn="l" defTabSz="488950">
+          <a:pPr marL="57150" lvl="1" indent="-57150" algn="l" defTabSz="444500">
             <a:lnSpc>
               <a:spcPct val="90000"/>
             </a:lnSpc>
@@ -2748,17 +2807,13 @@
             <a:buChar char="•"/>
           </a:pPr>
           <a:r>
-            <a:rPr lang="en-US" sz="1100" kern="1200" dirty="0" err="1"/>
-            <a:t>XGBoost</a:t>
+            <a:rPr lang="en-US" sz="1000" kern="1200" dirty="0"/>
+            <a:t>Seaborn</a:t>
           </a:r>
-          <a:r>
-            <a:rPr lang="en-US" sz="1100" kern="1200" dirty="0"/>
-            <a:t> Regressor</a:t>
-          </a:r>
-          <a:endParaRPr lang="en-NL" sz="1100" kern="1200" dirty="0"/>
+          <a:endParaRPr lang="en-NL" sz="1000" kern="1200" dirty="0"/>
         </a:p>
         <a:p>
-          <a:pPr marL="57150" lvl="1" indent="-57150" algn="l" defTabSz="488950">
+          <a:pPr marL="57150" lvl="1" indent="-57150" algn="l" defTabSz="444500">
             <a:lnSpc>
               <a:spcPct val="90000"/>
             </a:lnSpc>
@@ -2771,102 +2826,26 @@
             <a:buChar char="•"/>
           </a:pPr>
           <a:r>
-            <a:rPr lang="en-US" sz="1100" kern="1200" dirty="0"/>
-            <a:t>One-hot Encoding</a:t>
+            <a:rPr lang="en-US" sz="1000" kern="1200" dirty="0"/>
+            <a:t>Power BI</a:t>
           </a:r>
-          <a:endParaRPr lang="en-NL" sz="1100" kern="1200" dirty="0"/>
-        </a:p>
-        <a:p>
-          <a:pPr marL="57150" lvl="1" indent="-57150" algn="l" defTabSz="488950">
-            <a:lnSpc>
-              <a:spcPct val="90000"/>
-            </a:lnSpc>
-            <a:spcBef>
-              <a:spcPct val="0"/>
-            </a:spcBef>
-            <a:spcAft>
-              <a:spcPct val="15000"/>
-            </a:spcAft>
-            <a:buChar char="•"/>
-          </a:pPr>
-          <a:r>
-            <a:rPr lang="en-US" sz="1100" kern="1200" dirty="0"/>
-            <a:t>Target Encoding</a:t>
-          </a:r>
-          <a:endParaRPr lang="en-NL" sz="1100" kern="1200" dirty="0"/>
-        </a:p>
-        <a:p>
-          <a:pPr marL="57150" lvl="1" indent="-57150" algn="l" defTabSz="488950">
-            <a:lnSpc>
-              <a:spcPct val="90000"/>
-            </a:lnSpc>
-            <a:spcBef>
-              <a:spcPct val="0"/>
-            </a:spcBef>
-            <a:spcAft>
-              <a:spcPct val="15000"/>
-            </a:spcAft>
-            <a:buChar char="•"/>
-          </a:pPr>
-          <a:r>
-            <a:rPr lang="en-US" sz="1100" kern="1200" dirty="0"/>
-            <a:t>Cross Validation</a:t>
-          </a:r>
-          <a:endParaRPr lang="en-NL" sz="1100" kern="1200" dirty="0"/>
-        </a:p>
-        <a:p>
-          <a:pPr marL="57150" lvl="1" indent="-57150" algn="l" defTabSz="488950">
-            <a:lnSpc>
-              <a:spcPct val="90000"/>
-            </a:lnSpc>
-            <a:spcBef>
-              <a:spcPct val="0"/>
-            </a:spcBef>
-            <a:spcAft>
-              <a:spcPct val="15000"/>
-            </a:spcAft>
-            <a:buChar char="•"/>
-          </a:pPr>
-          <a:r>
-            <a:rPr lang="en-US" sz="1100" kern="1200" dirty="0"/>
-            <a:t>Hyperparameter tuning(Random Search&amp; Grid Search)</a:t>
-          </a:r>
-          <a:endParaRPr lang="en-NL" sz="1100" kern="1200" dirty="0"/>
-        </a:p>
-        <a:p>
-          <a:pPr marL="57150" lvl="1" indent="-57150" algn="l" defTabSz="488950">
-            <a:lnSpc>
-              <a:spcPct val="90000"/>
-            </a:lnSpc>
-            <a:spcBef>
-              <a:spcPct val="0"/>
-            </a:spcBef>
-            <a:spcAft>
-              <a:spcPct val="15000"/>
-            </a:spcAft>
-            <a:buChar char="•"/>
-          </a:pPr>
-          <a:r>
-            <a:rPr lang="en-US" sz="1100" kern="1200" dirty="0"/>
-            <a:t>Pipeline</a:t>
-          </a:r>
-          <a:endParaRPr lang="en-NL" sz="1100" kern="1200" dirty="0"/>
+          <a:endParaRPr lang="en-NL" sz="1000" kern="1200" dirty="0"/>
         </a:p>
       </dsp:txBody>
       <dsp:txXfrm>
-        <a:off x="6285646" y="2014225"/>
-        <a:ext cx="1334411" cy="2445004"/>
+        <a:off x="5382199" y="2003865"/>
+        <a:ext cx="1142908" cy="2465724"/>
       </dsp:txXfrm>
     </dsp:sp>
-    <dsp:sp modelId="{F35E3470-DAB6-49C2-B094-F85486E66B5D}">
+    <dsp:sp modelId="{61E00781-AD4E-4FA2-B17A-09EE42E43E9E}">
       <dsp:nvSpPr>
         <dsp:cNvPr id="0" name=""/>
         <dsp:cNvSpPr/>
       </dsp:nvSpPr>
       <dsp:spPr>
         <a:xfrm>
-          <a:off x="7766187" y="1942036"/>
-          <a:ext cx="1478789" cy="2589382"/>
+          <a:off x="6650265" y="1942036"/>
+          <a:ext cx="1266566" cy="2589382"/>
         </a:xfrm>
         <a:prstGeom prst="roundRect">
           <a:avLst/>
@@ -2929,12 +2908,12 @@
         </a:fontRef>
       </dsp:style>
       <dsp:txBody>
-        <a:bodyPr spcFirstLastPara="0" vert="horz" wrap="square" lIns="53340" tIns="53340" rIns="53340" bIns="53340" numCol="1" spcCol="1270" anchor="t" anchorCtr="0">
+        <a:bodyPr spcFirstLastPara="0" vert="horz" wrap="square" lIns="49530" tIns="49530" rIns="49530" bIns="49530" numCol="1" spcCol="1270" anchor="t" anchorCtr="0">
           <a:noAutofit/>
         </a:bodyPr>
         <a:lstStyle/>
         <a:p>
-          <a:pPr marL="0" lvl="0" indent="0" algn="l" defTabSz="622300">
+          <a:pPr marL="0" lvl="0" indent="0" algn="l" defTabSz="577850">
             <a:lnSpc>
               <a:spcPct val="90000"/>
             </a:lnSpc>
@@ -2947,13 +2926,13 @@
             <a:buNone/>
           </a:pPr>
           <a:r>
-            <a:rPr lang="en-US" sz="1400" kern="1200" dirty="0"/>
-            <a:t>Web Development</a:t>
+            <a:rPr lang="en-US" sz="1300" kern="1200" dirty="0"/>
+            <a:t>ML</a:t>
           </a:r>
-          <a:endParaRPr lang="en-NL" sz="1400" kern="1200" dirty="0"/>
+          <a:endParaRPr lang="en-NL" sz="1300" kern="1200" dirty="0"/>
         </a:p>
         <a:p>
-          <a:pPr marL="57150" lvl="1" indent="-57150" algn="l" defTabSz="488950">
+          <a:pPr marL="57150" lvl="1" indent="-57150" algn="l" defTabSz="444500">
             <a:lnSpc>
               <a:spcPct val="90000"/>
             </a:lnSpc>
@@ -2966,15 +2945,260 @@
             <a:buChar char="•"/>
           </a:pPr>
           <a:r>
-            <a:rPr lang="en-US" sz="1100" kern="1200" dirty="0"/>
-            <a:t>Flask</a:t>
+            <a:rPr lang="en-US" sz="1000" kern="1200" dirty="0"/>
+            <a:t>Auto ML (</a:t>
           </a:r>
-          <a:endParaRPr lang="en-NL" sz="1100" kern="1200" dirty="0"/>
+          <a:r>
+            <a:rPr lang="en-US" sz="1000" kern="1200" dirty="0" err="1"/>
+            <a:t>Pycaret</a:t>
+          </a:r>
+          <a:r>
+            <a:rPr lang="en-US" sz="1000" kern="1200" dirty="0"/>
+            <a:t>)</a:t>
+          </a:r>
+          <a:endParaRPr lang="en-NL" sz="1000" kern="1200" dirty="0"/>
+        </a:p>
+        <a:p>
+          <a:pPr marL="57150" lvl="1" indent="-57150" algn="l" defTabSz="444500">
+            <a:lnSpc>
+              <a:spcPct val="90000"/>
+            </a:lnSpc>
+            <a:spcBef>
+              <a:spcPct val="0"/>
+            </a:spcBef>
+            <a:spcAft>
+              <a:spcPct val="15000"/>
+            </a:spcAft>
+            <a:buChar char="•"/>
+          </a:pPr>
+          <a:r>
+            <a:rPr lang="en-US" sz="1000" kern="1200" dirty="0" err="1"/>
+            <a:t>XGBoost</a:t>
+          </a:r>
+          <a:r>
+            <a:rPr lang="en-US" sz="1000" kern="1200" dirty="0"/>
+            <a:t> Regressor</a:t>
+          </a:r>
+          <a:endParaRPr lang="en-NL" sz="1000" kern="1200" dirty="0"/>
+        </a:p>
+        <a:p>
+          <a:pPr marL="57150" lvl="1" indent="-57150" algn="l" defTabSz="444500">
+            <a:lnSpc>
+              <a:spcPct val="90000"/>
+            </a:lnSpc>
+            <a:spcBef>
+              <a:spcPct val="0"/>
+            </a:spcBef>
+            <a:spcAft>
+              <a:spcPct val="15000"/>
+            </a:spcAft>
+            <a:buChar char="•"/>
+          </a:pPr>
+          <a:r>
+            <a:rPr lang="en-US" sz="1000" kern="1200" dirty="0"/>
+            <a:t>One-hot Encoding</a:t>
+          </a:r>
+          <a:endParaRPr lang="en-NL" sz="1000" kern="1200" dirty="0"/>
+        </a:p>
+        <a:p>
+          <a:pPr marL="57150" lvl="1" indent="-57150" algn="l" defTabSz="444500">
+            <a:lnSpc>
+              <a:spcPct val="90000"/>
+            </a:lnSpc>
+            <a:spcBef>
+              <a:spcPct val="0"/>
+            </a:spcBef>
+            <a:spcAft>
+              <a:spcPct val="15000"/>
+            </a:spcAft>
+            <a:buChar char="•"/>
+          </a:pPr>
+          <a:r>
+            <a:rPr lang="en-US" sz="1000" kern="1200" dirty="0"/>
+            <a:t>Target Encoding</a:t>
+          </a:r>
+          <a:endParaRPr lang="en-NL" sz="1000" kern="1200" dirty="0"/>
+        </a:p>
+        <a:p>
+          <a:pPr marL="57150" lvl="1" indent="-57150" algn="l" defTabSz="444500">
+            <a:lnSpc>
+              <a:spcPct val="90000"/>
+            </a:lnSpc>
+            <a:spcBef>
+              <a:spcPct val="0"/>
+            </a:spcBef>
+            <a:spcAft>
+              <a:spcPct val="15000"/>
+            </a:spcAft>
+            <a:buChar char="•"/>
+          </a:pPr>
+          <a:r>
+            <a:rPr lang="en-US" sz="1000" kern="1200" dirty="0"/>
+            <a:t>Cross Validation</a:t>
+          </a:r>
+          <a:endParaRPr lang="en-NL" sz="1000" kern="1200" dirty="0"/>
+        </a:p>
+        <a:p>
+          <a:pPr marL="57150" lvl="1" indent="-57150" algn="l" defTabSz="444500">
+            <a:lnSpc>
+              <a:spcPct val="90000"/>
+            </a:lnSpc>
+            <a:spcBef>
+              <a:spcPct val="0"/>
+            </a:spcBef>
+            <a:spcAft>
+              <a:spcPct val="15000"/>
+            </a:spcAft>
+            <a:buChar char="•"/>
+          </a:pPr>
+          <a:r>
+            <a:rPr lang="en-US" sz="1000" kern="1200" dirty="0"/>
+            <a:t>Hyperparameter tuning(Random Search&amp; Grid Search)</a:t>
+          </a:r>
+          <a:endParaRPr lang="en-NL" sz="1000" kern="1200" dirty="0"/>
+        </a:p>
+        <a:p>
+          <a:pPr marL="57150" lvl="1" indent="-57150" algn="l" defTabSz="444500">
+            <a:lnSpc>
+              <a:spcPct val="90000"/>
+            </a:lnSpc>
+            <a:spcBef>
+              <a:spcPct val="0"/>
+            </a:spcBef>
+            <a:spcAft>
+              <a:spcPct val="15000"/>
+            </a:spcAft>
+            <a:buChar char="•"/>
+          </a:pPr>
+          <a:r>
+            <a:rPr lang="en-US" sz="1000" kern="1200" dirty="0"/>
+            <a:t>Pipeline</a:t>
+          </a:r>
+          <a:endParaRPr lang="en-NL" sz="1000" kern="1200" dirty="0"/>
         </a:p>
       </dsp:txBody>
       <dsp:txXfrm>
-        <a:off x="7838376" y="2014225"/>
-        <a:ext cx="1334411" cy="2445004"/>
+        <a:off x="6712094" y="2003865"/>
+        <a:ext cx="1142908" cy="2465724"/>
+      </dsp:txXfrm>
+    </dsp:sp>
+    <dsp:sp modelId="{F35E3470-DAB6-49C2-B094-F85486E66B5D}">
+      <dsp:nvSpPr>
+        <dsp:cNvPr id="0" name=""/>
+        <dsp:cNvSpPr/>
+      </dsp:nvSpPr>
+      <dsp:spPr>
+        <a:xfrm>
+          <a:off x="7980160" y="1942036"/>
+          <a:ext cx="1266566" cy="2589382"/>
+        </a:xfrm>
+        <a:prstGeom prst="roundRect">
+          <a:avLst/>
+        </a:prstGeom>
+        <a:gradFill rotWithShape="0">
+          <a:gsLst>
+            <a:gs pos="0">
+              <a:schemeClr val="accent3">
+                <a:hueOff val="0"/>
+                <a:satOff val="0"/>
+                <a:lumOff val="0"/>
+                <a:alphaOff val="0"/>
+                <a:satMod val="103000"/>
+                <a:lumMod val="102000"/>
+                <a:tint val="94000"/>
+              </a:schemeClr>
+            </a:gs>
+            <a:gs pos="50000">
+              <a:schemeClr val="accent3">
+                <a:hueOff val="0"/>
+                <a:satOff val="0"/>
+                <a:lumOff val="0"/>
+                <a:alphaOff val="0"/>
+                <a:satMod val="110000"/>
+                <a:lumMod val="100000"/>
+                <a:shade val="100000"/>
+              </a:schemeClr>
+            </a:gs>
+            <a:gs pos="100000">
+              <a:schemeClr val="accent3">
+                <a:hueOff val="0"/>
+                <a:satOff val="0"/>
+                <a:lumOff val="0"/>
+                <a:alphaOff val="0"/>
+                <a:lumMod val="99000"/>
+                <a:satMod val="120000"/>
+                <a:shade val="78000"/>
+              </a:schemeClr>
+            </a:gs>
+          </a:gsLst>
+          <a:lin ang="5400000" scaled="0"/>
+        </a:gradFill>
+        <a:ln>
+          <a:noFill/>
+        </a:ln>
+        <a:effectLst/>
+      </dsp:spPr>
+      <dsp:style>
+        <a:lnRef idx="0">
+          <a:scrgbClr r="0" g="0" b="0"/>
+        </a:lnRef>
+        <a:fillRef idx="3">
+          <a:scrgbClr r="0" g="0" b="0"/>
+        </a:fillRef>
+        <a:effectRef idx="2">
+          <a:scrgbClr r="0" g="0" b="0"/>
+        </a:effectRef>
+        <a:fontRef idx="minor">
+          <a:schemeClr val="lt1"/>
+        </a:fontRef>
+      </dsp:style>
+      <dsp:txBody>
+        <a:bodyPr spcFirstLastPara="0" vert="horz" wrap="square" lIns="49530" tIns="49530" rIns="49530" bIns="49530" numCol="1" spcCol="1270" anchor="t" anchorCtr="0">
+          <a:noAutofit/>
+        </a:bodyPr>
+        <a:lstStyle/>
+        <a:p>
+          <a:pPr marL="0" lvl="0" indent="0" algn="l" defTabSz="577850">
+            <a:lnSpc>
+              <a:spcPct val="90000"/>
+            </a:lnSpc>
+            <a:spcBef>
+              <a:spcPct val="0"/>
+            </a:spcBef>
+            <a:spcAft>
+              <a:spcPct val="35000"/>
+            </a:spcAft>
+            <a:buNone/>
+          </a:pPr>
+          <a:r>
+            <a:rPr lang="en-US" sz="1300" kern="1200" dirty="0"/>
+            <a:t>Web Development</a:t>
+          </a:r>
+          <a:endParaRPr lang="en-NL" sz="1300" kern="1200" dirty="0"/>
+        </a:p>
+        <a:p>
+          <a:pPr marL="57150" lvl="1" indent="-57150" algn="l" defTabSz="444500">
+            <a:lnSpc>
+              <a:spcPct val="90000"/>
+            </a:lnSpc>
+            <a:spcBef>
+              <a:spcPct val="0"/>
+            </a:spcBef>
+            <a:spcAft>
+              <a:spcPct val="15000"/>
+            </a:spcAft>
+            <a:buChar char="•"/>
+          </a:pPr>
+          <a:r>
+            <a:rPr lang="en-US" sz="1000" kern="1200" dirty="0"/>
+            <a:t>Flask</a:t>
+          </a:r>
+          <a:endParaRPr lang="en-NL" sz="1000" kern="1200" dirty="0"/>
+        </a:p>
+      </dsp:txBody>
+      <dsp:txXfrm>
+        <a:off x="8041989" y="2003865"/>
+        <a:ext cx="1142908" cy="2465724"/>
       </dsp:txXfrm>
     </dsp:sp>
   </dsp:spTree>
@@ -4263,7 +4487,7 @@
           <a:p>
             <a:fld id="{F352A77B-D33C-49B3-A83C-450AA2ED72B3}" type="datetimeFigureOut">
               <a:rPr lang="en-US" smtClean="0"/>
-              <a:t>3/28/2024</a:t>
+              <a:t>3/30/2024</a:t>
             </a:fld>
             <a:endParaRPr lang="en-US" dirty="0"/>
           </a:p>
@@ -4440,7 +4664,7 @@
           <a:p>
             <a:fld id="{E38D8F9A-F5CB-4EF8-A859-ED5E107B9763}" type="datetimeFigureOut">
               <a:rPr lang="en-US" smtClean="0"/>
-              <a:t>3/28/2024</a:t>
+              <a:t>3/30/2024</a:t>
             </a:fld>
             <a:endParaRPr lang="en-US" dirty="0"/>
           </a:p>
@@ -5285,7 +5509,7 @@
     </p:spTree>
     <p:extLst>
       <p:ext uri="{BB962C8B-B14F-4D97-AF65-F5344CB8AC3E}">
-        <p14:creationId xmlns:p14="http://schemas.microsoft.com/office/powerpoint/2010/main" val="3555126551"/>
+        <p14:creationId xmlns:p14="http://schemas.microsoft.com/office/powerpoint/2010/main" val="679238203"/>
       </p:ext>
     </p:extLst>
   </p:cSld>
@@ -5361,90 +5585,6 @@
             <a:fld id="{D4B9A9E5-4F7F-4A7D-9DE1-899232329269}" type="slidenum">
               <a:rPr lang="en-US" smtClean="0"/>
               <a:t>8</a:t>
-            </a:fld>
-            <a:endParaRPr lang="en-US" dirty="0"/>
-          </a:p>
-        </p:txBody>
-      </p:sp>
-    </p:spTree>
-    <p:extLst>
-      <p:ext uri="{BB962C8B-B14F-4D97-AF65-F5344CB8AC3E}">
-        <p14:creationId xmlns:p14="http://schemas.microsoft.com/office/powerpoint/2010/main" val="679238203"/>
-      </p:ext>
-    </p:extLst>
-  </p:cSld>
-  <p:clrMapOvr>
-    <a:masterClrMapping/>
-  </p:clrMapOvr>
-</p:notes>
-</file>
-
-<file path=ppt/notesSlides/notesSlide9.xml><?xml version="1.0" encoding="utf-8"?>
-<p:notes xmlns:a="http://schemas.openxmlformats.org/drawingml/2006/main" xmlns:r="http://schemas.openxmlformats.org/officeDocument/2006/relationships" xmlns:p="http://schemas.openxmlformats.org/presentationml/2006/main">
-  <p:cSld>
-    <p:spTree>
-      <p:nvGrpSpPr>
-        <p:cNvPr id="1" name=""/>
-        <p:cNvGrpSpPr/>
-        <p:nvPr/>
-      </p:nvGrpSpPr>
-      <p:grpSpPr>
-        <a:xfrm>
-          <a:off x="0" y="0"/>
-          <a:ext cx="0" cy="0"/>
-          <a:chOff x="0" y="0"/>
-          <a:chExt cx="0" cy="0"/>
-        </a:xfrm>
-      </p:grpSpPr>
-      <p:sp>
-        <p:nvSpPr>
-          <p:cNvPr id="2" name="Slide Image Placeholder 1"/>
-          <p:cNvSpPr>
-            <a:spLocks noGrp="1" noRot="1" noChangeAspect="1"/>
-          </p:cNvSpPr>
-          <p:nvPr>
-            <p:ph type="sldImg"/>
-          </p:nvPr>
-        </p:nvSpPr>
-        <p:spPr/>
-      </p:sp>
-      <p:sp>
-        <p:nvSpPr>
-          <p:cNvPr id="3" name="Notes Placeholder 2"/>
-          <p:cNvSpPr>
-            <a:spLocks noGrp="1"/>
-          </p:cNvSpPr>
-          <p:nvPr>
-            <p:ph type="body" idx="1"/>
-          </p:nvPr>
-        </p:nvSpPr>
-        <p:spPr/>
-        <p:txBody>
-          <a:bodyPr/>
-          <a:lstStyle/>
-          <a:p>
-            <a:endParaRPr lang="en-US" dirty="0"/>
-          </a:p>
-        </p:txBody>
-      </p:sp>
-      <p:sp>
-        <p:nvSpPr>
-          <p:cNvPr id="4" name="Slide Number Placeholder 3"/>
-          <p:cNvSpPr>
-            <a:spLocks noGrp="1"/>
-          </p:cNvSpPr>
-          <p:nvPr>
-            <p:ph type="sldNum" sz="quarter" idx="5"/>
-          </p:nvPr>
-        </p:nvSpPr>
-        <p:spPr/>
-        <p:txBody>
-          <a:bodyPr/>
-          <a:lstStyle/>
-          <a:p>
-            <a:fld id="{D4B9A9E5-4F7F-4A7D-9DE1-899232329269}" type="slidenum">
-              <a:rPr lang="en-US" smtClean="0"/>
-              <a:t>9</a:t>
             </a:fld>
             <a:endParaRPr lang="en-US" dirty="0"/>
           </a:p>
@@ -10738,7 +10878,7 @@
           <p:nvPr>
             <p:extLst>
               <p:ext uri="{D42A27DB-BD31-4B8C-83A1-F6EECF244321}">
-                <p14:modId xmlns:p14="http://schemas.microsoft.com/office/powerpoint/2010/main" val="3981784953"/>
+                <p14:modId xmlns:p14="http://schemas.microsoft.com/office/powerpoint/2010/main" val="591839708"/>
               </p:ext>
             </p:extLst>
           </p:nvPr>
@@ -10753,6 +10893,42 @@
           </a:graphicData>
         </a:graphic>
       </p:graphicFrame>
+      <p:sp>
+        <p:nvSpPr>
+          <p:cNvPr id="3" name="TextBox 2">
+            <a:extLst>
+              <a:ext uri="{FF2B5EF4-FFF2-40B4-BE49-F238E27FC236}">
+                <a16:creationId xmlns:a16="http://schemas.microsoft.com/office/drawing/2014/main" id="{45055261-AF8B-CAD1-C0BE-1D69CB40A66B}"/>
+              </a:ext>
+            </a:extLst>
+          </p:cNvPr>
+          <p:cNvSpPr txBox="1"/>
+          <p:nvPr/>
+        </p:nvSpPr>
+        <p:spPr>
+          <a:xfrm>
+            <a:off x="529080" y="5221774"/>
+            <a:ext cx="2730587" cy="369332"/>
+          </a:xfrm>
+          <a:prstGeom prst="rect">
+            <a:avLst/>
+          </a:prstGeom>
+          <a:noFill/>
+        </p:spPr>
+        <p:txBody>
+          <a:bodyPr wrap="square" rtlCol="0">
+            <a:spAutoFit/>
+          </a:bodyPr>
+          <a:lstStyle/>
+          <a:p>
+            <a:r>
+              <a:rPr lang="en-US" dirty="0"/>
+              <a:t>https://www.ooyyo.com/</a:t>
+            </a:r>
+            <a:endParaRPr lang="en-NL" dirty="0"/>
+          </a:p>
+        </p:txBody>
+      </p:sp>
     </p:spTree>
     <p:extLst>
       <p:ext uri="{BB962C8B-B14F-4D97-AF65-F5344CB8AC3E}">
@@ -11454,164 +11630,6 @@
           <p:cNvPr id="2" name="Title 1">
             <a:extLst>
               <a:ext uri="{FF2B5EF4-FFF2-40B4-BE49-F238E27FC236}">
-                <a16:creationId xmlns:a16="http://schemas.microsoft.com/office/drawing/2014/main" id="{F992D586-3F7C-3202-E4F4-1F65B9A7D428}"/>
-              </a:ext>
-            </a:extLst>
-          </p:cNvPr>
-          <p:cNvSpPr>
-            <a:spLocks noGrp="1"/>
-          </p:cNvSpPr>
-          <p:nvPr>
-            <p:ph type="title"/>
-          </p:nvPr>
-        </p:nvSpPr>
-        <p:spPr>
-          <a:xfrm>
-            <a:off x="914399" y="365125"/>
-            <a:ext cx="10363201" cy="1629601"/>
-          </a:xfrm>
-        </p:spPr>
-        <p:txBody>
-          <a:bodyPr/>
-          <a:lstStyle/>
-          <a:p>
-            <a:r>
-              <a:rPr lang="en-US" dirty="0"/>
-              <a:t>Examples for the demo</a:t>
-            </a:r>
-          </a:p>
-        </p:txBody>
-      </p:sp>
-      <p:sp>
-        <p:nvSpPr>
-          <p:cNvPr id="3" name="Content Placeholder 2">
-            <a:extLst>
-              <a:ext uri="{FF2B5EF4-FFF2-40B4-BE49-F238E27FC236}">
-                <a16:creationId xmlns:a16="http://schemas.microsoft.com/office/drawing/2014/main" id="{375DADF2-8E4D-6C0E-0FA2-C5228AF29C1D}"/>
-              </a:ext>
-            </a:extLst>
-          </p:cNvPr>
-          <p:cNvSpPr>
-            <a:spLocks noGrp="1"/>
-          </p:cNvSpPr>
-          <p:nvPr>
-            <p:ph sz="quarter" idx="10"/>
-          </p:nvPr>
-        </p:nvSpPr>
-        <p:spPr>
-          <a:xfrm>
-            <a:off x="914399" y="2022250"/>
-            <a:ext cx="4992709" cy="3747180"/>
-          </a:xfrm>
-        </p:spPr>
-        <p:txBody>
-          <a:bodyPr/>
-          <a:lstStyle/>
-          <a:p>
-            <a:endParaRPr lang="en-US" noProof="1"/>
-          </a:p>
-        </p:txBody>
-      </p:sp>
-      <p:sp>
-        <p:nvSpPr>
-          <p:cNvPr id="4" name="Content Placeholder 3">
-            <a:extLst>
-              <a:ext uri="{FF2B5EF4-FFF2-40B4-BE49-F238E27FC236}">
-                <a16:creationId xmlns:a16="http://schemas.microsoft.com/office/drawing/2014/main" id="{2CFADA2D-CE7A-511E-45B9-EAF4FA520E34}"/>
-              </a:ext>
-            </a:extLst>
-          </p:cNvPr>
-          <p:cNvSpPr>
-            <a:spLocks noGrp="1"/>
-          </p:cNvSpPr>
-          <p:nvPr>
-            <p:ph sz="quarter" idx="11"/>
-          </p:nvPr>
-        </p:nvSpPr>
-        <p:spPr>
-          <a:xfrm>
-            <a:off x="6284891" y="2022250"/>
-            <a:ext cx="4992709" cy="3747180"/>
-          </a:xfrm>
-        </p:spPr>
-        <p:txBody>
-          <a:bodyPr/>
-          <a:lstStyle/>
-          <a:p>
-            <a:endParaRPr lang="en-US" noProof="1"/>
-          </a:p>
-        </p:txBody>
-      </p:sp>
-      <p:sp>
-        <p:nvSpPr>
-          <p:cNvPr id="5" name="Slide Number Placeholder 4">
-            <a:extLst>
-              <a:ext uri="{FF2B5EF4-FFF2-40B4-BE49-F238E27FC236}">
-                <a16:creationId xmlns:a16="http://schemas.microsoft.com/office/drawing/2014/main" id="{FD4FFC83-A1E8-FCEA-2C47-38C5ADAEA1CA}"/>
-              </a:ext>
-            </a:extLst>
-          </p:cNvPr>
-          <p:cNvSpPr>
-            <a:spLocks noGrp="1"/>
-          </p:cNvSpPr>
-          <p:nvPr>
-            <p:ph type="sldNum" sz="quarter" idx="4"/>
-          </p:nvPr>
-        </p:nvSpPr>
-        <p:spPr>
-          <a:xfrm>
-            <a:off x="914400" y="6246254"/>
-            <a:ext cx="631065" cy="296214"/>
-          </a:xfrm>
-        </p:spPr>
-        <p:txBody>
-          <a:bodyPr/>
-          <a:lstStyle/>
-          <a:p>
-            <a:fld id="{B5CEABB6-07DC-46E8-9B57-56EC44A396E5}" type="slidenum">
-              <a:rPr lang="en-US" smtClean="0"/>
-              <a:pPr/>
-              <a:t>7</a:t>
-            </a:fld>
-            <a:endParaRPr lang="en-US" dirty="0"/>
-          </a:p>
-        </p:txBody>
-      </p:sp>
-    </p:spTree>
-    <p:extLst>
-      <p:ext uri="{BB962C8B-B14F-4D97-AF65-F5344CB8AC3E}">
-        <p14:creationId xmlns:p14="http://schemas.microsoft.com/office/powerpoint/2010/main" val="430403476"/>
-      </p:ext>
-    </p:extLst>
-  </p:cSld>
-  <p:clrMapOvr>
-    <a:masterClrMapping/>
-  </p:clrMapOvr>
-</p:sld>
-</file>
-
-<file path=ppt/slides/slide8.xml><?xml version="1.0" encoding="utf-8"?>
-<p:sld xmlns:a="http://schemas.openxmlformats.org/drawingml/2006/main" xmlns:r="http://schemas.openxmlformats.org/officeDocument/2006/relationships" xmlns:p="http://schemas.openxmlformats.org/presentationml/2006/main">
-  <p:cSld>
-    <p:spTree>
-      <p:nvGrpSpPr>
-        <p:cNvPr id="1" name=""/>
-        <p:cNvGrpSpPr/>
-        <p:nvPr/>
-      </p:nvGrpSpPr>
-      <p:grpSpPr>
-        <a:xfrm>
-          <a:off x="0" y="0"/>
-          <a:ext cx="0" cy="0"/>
-          <a:chOff x="0" y="0"/>
-          <a:chExt cx="0" cy="0"/>
-        </a:xfrm>
-      </p:grpSpPr>
-      <p:sp>
-        <p:nvSpPr>
-          <p:cNvPr id="2" name="Title 1">
-            <a:extLst>
-              <a:ext uri="{FF2B5EF4-FFF2-40B4-BE49-F238E27FC236}">
                 <a16:creationId xmlns:a16="http://schemas.microsoft.com/office/drawing/2014/main" id="{B4386DBB-D0DC-05D4-788C-E10EEF6B4A91}"/>
               </a:ext>
             </a:extLst>
@@ -11736,7 +11754,7 @@
             <a:fld id="{B5CEABB6-07DC-46E8-9B57-56EC44A396E5}" type="slidenum">
               <a:rPr lang="en-US" smtClean="0"/>
               <a:pPr/>
-              <a:t>8</a:t>
+              <a:t>7</a:t>
             </a:fld>
             <a:endParaRPr lang="en-US" dirty="0"/>
           </a:p>
@@ -11755,7 +11773,7 @@
 </p:sld>
 </file>
 
-<file path=ppt/slides/slide9.xml><?xml version="1.0" encoding="utf-8"?>
+<file path=ppt/slides/slide8.xml><?xml version="1.0" encoding="utf-8"?>
 <p:sld xmlns:a="http://schemas.openxmlformats.org/drawingml/2006/main" xmlns:r="http://schemas.openxmlformats.org/officeDocument/2006/relationships" xmlns:p="http://schemas.openxmlformats.org/presentationml/2006/main">
   <p:cSld>
     <p:bg>
